--- a/Präsentationen/Leitfaden Erstellung Strukturierter Befundtemplates.pptx
+++ b/Präsentationen/Leitfaden Erstellung Strukturierter Befundtemplates.pptx
@@ -118,7 +118,7 @@
   </p:defaultTextStyle>
   <p:extLst>
     <p:ext uri="{EFAFB233-063F-42B5-8137-9DF3F51BA10A}">
-      <p15:sldGuideLst xmlns:p15="http://schemas.microsoft.com/office/powerpoint/2012/main">
+      <p15:sldGuideLst xmlns:p15="http://schemas.microsoft.com/office/powerpoint/2012/main" xmlns="">
         <p15:guide id="1" orient="horz" pos="4065" userDrawn="1">
           <p15:clr>
             <a:srgbClr val="A4A3A4"/>
@@ -322,7 +322,7 @@
           <a:p>
             <a:fld id="{219B4EC9-3F7F-E843-AD75-82221C64462E}" type="datetime1">
               <a:rPr lang="de-DE" smtClean="0"/>
-              <a:t>28.01.20</a:t>
+              <a:t>30.01.2020</a:t>
             </a:fld>
             <a:endParaRPr lang="de-DE"/>
           </a:p>
@@ -488,7 +488,7 @@
           <a:p>
             <a:fld id="{598A4CD5-1A2B-3547-BBCB-D5A57AD4D686}" type="datetime1">
               <a:rPr lang="de-DE" smtClean="0"/>
-              <a:t>28.01.20</a:t>
+              <a:t>30.01.2020</a:t>
             </a:fld>
             <a:endParaRPr lang="de-DE"/>
           </a:p>
@@ -890,6 +890,54 @@
           <a:bodyPr/>
           <a:lstStyle/>
           <a:p>
+            <a:r>
+              <a:rPr lang="en-AU" dirty="0" smtClean="0"/>
+              <a:t>Link Word Template muss man </a:t>
+            </a:r>
+            <a:r>
+              <a:rPr lang="en-AU" dirty="0" err="1" smtClean="0"/>
+              <a:t>noch</a:t>
+            </a:r>
+            <a:r>
+              <a:rPr lang="en-AU" dirty="0" smtClean="0"/>
+              <a:t> </a:t>
+            </a:r>
+            <a:r>
+              <a:rPr lang="en-AU" dirty="0" err="1" smtClean="0"/>
+              <a:t>aktualisieren</a:t>
+            </a:r>
+            <a:r>
+              <a:rPr lang="en-AU" dirty="0" smtClean="0"/>
+              <a:t> – auf</a:t>
+            </a:r>
+            <a:r>
+              <a:rPr lang="en-AU" baseline="0" dirty="0" smtClean="0"/>
+              <a:t> der DRG </a:t>
+            </a:r>
+            <a:r>
+              <a:rPr lang="en-AU" baseline="0" dirty="0" err="1" smtClean="0"/>
+              <a:t>Seite</a:t>
+            </a:r>
+            <a:r>
+              <a:rPr lang="en-AU" baseline="0" dirty="0" smtClean="0"/>
+              <a:t> </a:t>
+            </a:r>
+            <a:r>
+              <a:rPr lang="en-AU" baseline="0" dirty="0" err="1" smtClean="0"/>
+              <a:t>hochladen</a:t>
+            </a:r>
+            <a:r>
+              <a:rPr lang="en-AU" baseline="0" dirty="0" smtClean="0"/>
+              <a:t>/Public </a:t>
+            </a:r>
+            <a:r>
+              <a:rPr lang="en-AU" baseline="0" dirty="0" err="1" smtClean="0"/>
+              <a:t>GitHub</a:t>
+            </a:r>
+            <a:r>
+              <a:rPr lang="en-AU" baseline="0" dirty="0" smtClean="0"/>
+              <a:t>?</a:t>
+            </a:r>
             <a:endParaRPr lang="en-AU" dirty="0"/>
           </a:p>
         </p:txBody>
@@ -976,8 +1024,21 @@
           <a:p>
             <a:r>
               <a:rPr lang="de-DE" dirty="0"/>
-              <a:t>- Schemazeichnungen sind noch schwierig im MRRT-Format umzusetzen, aber das ist irgendwie geplant... Würde es nur vielleicht hier noch nicht versprechen...</a:t>
-            </a:r>
+              <a:t>- Schemazeichnungen sind noch schwierig im MRRT-Format umzusetzen, aber das ist irgendwie geplant... Würde es nur vielleicht hier noch nicht versprechen</a:t>
+            </a:r>
+            <a:r>
+              <a:rPr lang="de-DE" dirty="0" smtClean="0"/>
+              <a:t>... -&gt; </a:t>
+            </a:r>
+            <a:r>
+              <a:rPr lang="de-DE" dirty="0" err="1" smtClean="0"/>
+              <a:t>is</a:t>
+            </a:r>
+            <a:r>
+              <a:rPr lang="de-DE" dirty="0" smtClean="0"/>
+              <a:t> raus</a:t>
+            </a:r>
+            <a:endParaRPr lang="de-DE" dirty="0"/>
           </a:p>
           <a:p>
             <a:r>
@@ -993,10 +1054,16 @@
               <a:t> ich bislang immer so, glaube die Herz-Leute waren da aber nur bedingt scharf drauf... Ich finde es nicht schlecht, weil das Template dann irgendwie kompletter aussieht, aber wie ihr mögt... </a:t>
             </a:r>
             <a:r>
-              <a:rPr lang="de-DE" dirty="0">
+              <a:rPr lang="de-DE" dirty="0" smtClean="0">
                 <a:sym typeface="Wingdings" pitchFamily="2" charset="2"/>
               </a:rPr>
-              <a:t></a:t>
+              <a:t> -&gt; drin</a:t>
+            </a:r>
+            <a:r>
+              <a:rPr lang="de-DE" baseline="0" dirty="0" smtClean="0">
+                <a:sym typeface="Wingdings" pitchFamily="2" charset="2"/>
+              </a:rPr>
+              <a:t> gelassen</a:t>
             </a:r>
             <a:endParaRPr lang="de-DE" dirty="0"/>
           </a:p>
@@ -1039,6 +1106,242 @@
 </file>
 
 <file path=ppt/notesSlides/notesSlide4.xml><?xml version="1.0" encoding="utf-8"?>
+<p:notes xmlns:a="http://schemas.openxmlformats.org/drawingml/2006/main" xmlns:r="http://schemas.openxmlformats.org/officeDocument/2006/relationships" xmlns:p="http://schemas.openxmlformats.org/presentationml/2006/main">
+  <p:cSld>
+    <p:spTree>
+      <p:nvGrpSpPr>
+        <p:cNvPr id="1" name=""/>
+        <p:cNvGrpSpPr/>
+        <p:nvPr/>
+      </p:nvGrpSpPr>
+      <p:grpSpPr>
+        <a:xfrm>
+          <a:off x="0" y="0"/>
+          <a:ext cx="0" cy="0"/>
+          <a:chOff x="0" y="0"/>
+          <a:chExt cx="0" cy="0"/>
+        </a:xfrm>
+      </p:grpSpPr>
+      <p:sp>
+        <p:nvSpPr>
+          <p:cNvPr id="2" name="Folienbildplatzhalter 1"/>
+          <p:cNvSpPr>
+            <a:spLocks noGrp="1" noRot="1" noChangeAspect="1"/>
+          </p:cNvSpPr>
+          <p:nvPr>
+            <p:ph type="sldImg"/>
+          </p:nvPr>
+        </p:nvSpPr>
+        <p:spPr/>
+      </p:sp>
+      <p:sp>
+        <p:nvSpPr>
+          <p:cNvPr id="3" name="Notizenplatzhalter 2"/>
+          <p:cNvSpPr>
+            <a:spLocks noGrp="1"/>
+          </p:cNvSpPr>
+          <p:nvPr>
+            <p:ph type="body" idx="1"/>
+          </p:nvPr>
+        </p:nvSpPr>
+        <p:spPr/>
+        <p:txBody>
+          <a:bodyPr/>
+          <a:lstStyle/>
+          <a:p>
+            <a:endParaRPr lang="en-AU" dirty="0"/>
+          </a:p>
+        </p:txBody>
+      </p:sp>
+      <p:sp>
+        <p:nvSpPr>
+          <p:cNvPr id="4" name="Foliennummernplatzhalter 3"/>
+          <p:cNvSpPr>
+            <a:spLocks noGrp="1"/>
+          </p:cNvSpPr>
+          <p:nvPr>
+            <p:ph type="sldNum" sz="quarter" idx="10"/>
+          </p:nvPr>
+        </p:nvSpPr>
+        <p:spPr/>
+        <p:txBody>
+          <a:bodyPr/>
+          <a:lstStyle/>
+          <a:p>
+            <a:fld id="{E0CD0BFD-C225-1742-BA2F-0A3FCA2D6772}" type="slidenum">
+              <a:rPr lang="de-DE" smtClean="0"/>
+              <a:t>5</a:t>
+            </a:fld>
+            <a:endParaRPr lang="de-DE"/>
+          </a:p>
+        </p:txBody>
+      </p:sp>
+    </p:spTree>
+    <p:extLst>
+      <p:ext uri="{BB962C8B-B14F-4D97-AF65-F5344CB8AC3E}">
+        <p14:creationId xmlns:p14="http://schemas.microsoft.com/office/powerpoint/2010/main" val="1475949724"/>
+      </p:ext>
+    </p:extLst>
+  </p:cSld>
+  <p:clrMapOvr>
+    <a:masterClrMapping/>
+  </p:clrMapOvr>
+</p:notes>
+</file>
+
+<file path=ppt/notesSlides/notesSlide5.xml><?xml version="1.0" encoding="utf-8"?>
+<p:notes xmlns:a="http://schemas.openxmlformats.org/drawingml/2006/main" xmlns:r="http://schemas.openxmlformats.org/officeDocument/2006/relationships" xmlns:p="http://schemas.openxmlformats.org/presentationml/2006/main">
+  <p:cSld>
+    <p:spTree>
+      <p:nvGrpSpPr>
+        <p:cNvPr id="1" name=""/>
+        <p:cNvGrpSpPr/>
+        <p:nvPr/>
+      </p:nvGrpSpPr>
+      <p:grpSpPr>
+        <a:xfrm>
+          <a:off x="0" y="0"/>
+          <a:ext cx="0" cy="0"/>
+          <a:chOff x="0" y="0"/>
+          <a:chExt cx="0" cy="0"/>
+        </a:xfrm>
+      </p:grpSpPr>
+      <p:sp>
+        <p:nvSpPr>
+          <p:cNvPr id="2" name="Folienbildplatzhalter 1"/>
+          <p:cNvSpPr>
+            <a:spLocks noGrp="1" noRot="1" noChangeAspect="1"/>
+          </p:cNvSpPr>
+          <p:nvPr>
+            <p:ph type="sldImg"/>
+          </p:nvPr>
+        </p:nvSpPr>
+        <p:spPr/>
+      </p:sp>
+      <p:sp>
+        <p:nvSpPr>
+          <p:cNvPr id="3" name="Notizenplatzhalter 2"/>
+          <p:cNvSpPr>
+            <a:spLocks noGrp="1"/>
+          </p:cNvSpPr>
+          <p:nvPr>
+            <p:ph type="body" idx="1"/>
+          </p:nvPr>
+        </p:nvSpPr>
+        <p:spPr/>
+        <p:txBody>
+          <a:bodyPr/>
+          <a:lstStyle/>
+          <a:p>
+            <a:pPr marL="0" marR="0" indent="0" algn="l" defTabSz="457200" rtl="0" eaLnBrk="1" fontAlgn="auto" latinLnBrk="0" hangingPunct="1">
+              <a:lnSpc>
+                <a:spcPct val="100000"/>
+              </a:lnSpc>
+              <a:spcBef>
+                <a:spcPts val="0"/>
+              </a:spcBef>
+              <a:spcAft>
+                <a:spcPts val="0"/>
+              </a:spcAft>
+              <a:buClrTx/>
+              <a:buSzTx/>
+              <a:buFontTx/>
+              <a:buNone/>
+              <a:tabLst/>
+              <a:defRPr/>
+            </a:pPr>
+            <a:r>
+              <a:rPr lang="en-AU" dirty="0" smtClean="0"/>
+              <a:t>Link Word Template muss man </a:t>
+            </a:r>
+            <a:r>
+              <a:rPr lang="en-AU" dirty="0" err="1" smtClean="0"/>
+              <a:t>noch</a:t>
+            </a:r>
+            <a:r>
+              <a:rPr lang="en-AU" dirty="0" smtClean="0"/>
+              <a:t> </a:t>
+            </a:r>
+            <a:r>
+              <a:rPr lang="en-AU" dirty="0" err="1" smtClean="0"/>
+              <a:t>aktualisieren</a:t>
+            </a:r>
+            <a:r>
+              <a:rPr lang="en-AU" dirty="0" smtClean="0"/>
+              <a:t> – auf</a:t>
+            </a:r>
+            <a:r>
+              <a:rPr lang="en-AU" baseline="0" dirty="0" smtClean="0"/>
+              <a:t> der DRG </a:t>
+            </a:r>
+            <a:r>
+              <a:rPr lang="en-AU" baseline="0" dirty="0" err="1" smtClean="0"/>
+              <a:t>Seite</a:t>
+            </a:r>
+            <a:r>
+              <a:rPr lang="en-AU" baseline="0" dirty="0" smtClean="0"/>
+              <a:t> </a:t>
+            </a:r>
+            <a:r>
+              <a:rPr lang="en-AU" baseline="0" dirty="0" err="1" smtClean="0"/>
+              <a:t>hochladen</a:t>
+            </a:r>
+            <a:r>
+              <a:rPr lang="en-AU" baseline="0" dirty="0" smtClean="0"/>
+              <a:t>/Public </a:t>
+            </a:r>
+            <a:r>
+              <a:rPr lang="en-AU" baseline="0" dirty="0" err="1" smtClean="0"/>
+              <a:t>GitHub</a:t>
+            </a:r>
+            <a:r>
+              <a:rPr lang="en-AU" baseline="0" smtClean="0"/>
+              <a:t>?</a:t>
+            </a:r>
+            <a:endParaRPr lang="en-AU" smtClean="0"/>
+          </a:p>
+          <a:p>
+            <a:endParaRPr lang="en-AU"/>
+          </a:p>
+        </p:txBody>
+      </p:sp>
+      <p:sp>
+        <p:nvSpPr>
+          <p:cNvPr id="4" name="Foliennummernplatzhalter 3"/>
+          <p:cNvSpPr>
+            <a:spLocks noGrp="1"/>
+          </p:cNvSpPr>
+          <p:nvPr>
+            <p:ph type="sldNum" sz="quarter" idx="10"/>
+          </p:nvPr>
+        </p:nvSpPr>
+        <p:spPr/>
+        <p:txBody>
+          <a:bodyPr/>
+          <a:lstStyle/>
+          <a:p>
+            <a:fld id="{E0CD0BFD-C225-1742-BA2F-0A3FCA2D6772}" type="slidenum">
+              <a:rPr lang="de-DE" smtClean="0"/>
+              <a:t>6</a:t>
+            </a:fld>
+            <a:endParaRPr lang="de-DE"/>
+          </a:p>
+        </p:txBody>
+      </p:sp>
+    </p:spTree>
+    <p:extLst>
+      <p:ext uri="{BB962C8B-B14F-4D97-AF65-F5344CB8AC3E}">
+        <p14:creationId xmlns:p14="http://schemas.microsoft.com/office/powerpoint/2010/main" val="353521222"/>
+      </p:ext>
+    </p:extLst>
+  </p:cSld>
+  <p:clrMapOvr>
+    <a:masterClrMapping/>
+  </p:clrMapOvr>
+</p:notes>
+</file>
+
+<file path=ppt/notesSlides/notesSlide6.xml><?xml version="1.0" encoding="utf-8"?>
 <p:notes xmlns:a="http://schemas.openxmlformats.org/drawingml/2006/main" xmlns:r="http://schemas.openxmlformats.org/officeDocument/2006/relationships" xmlns:p="http://schemas.openxmlformats.org/presentationml/2006/main">
   <p:cSld>
     <p:spTree>
@@ -1657,64 +1960,80 @@
       </p:grpSpPr>
       <p:sp>
         <p:nvSpPr>
-          <p:cNvPr id="3" name="Textfeld 2"/>
-          <p:cNvSpPr txBox="1"/>
+          <p:cNvPr id="8" name="Rechteck 7">
+            <a:extLst>
+              <a:ext uri="{FF2B5EF4-FFF2-40B4-BE49-F238E27FC236}">
+                <a16:creationId xmlns:a16="http://schemas.microsoft.com/office/drawing/2014/main" xmlns="" id="{695424DE-D766-2246-BDB1-4E83C28425C3}"/>
+              </a:ext>
+            </a:extLst>
+          </p:cNvPr>
+          <p:cNvSpPr/>
           <p:nvPr userDrawn="1"/>
         </p:nvSpPr>
         <p:spPr>
           <a:xfrm>
-            <a:off x="7403978" y="6220883"/>
-            <a:ext cx="4070396" cy="230832"/>
+            <a:off x="0" y="0"/>
+            <a:ext cx="12192000" cy="6858000"/>
           </a:xfrm>
           <a:prstGeom prst="rect">
             <a:avLst/>
           </a:prstGeom>
-          <a:noFill/>
+          <a:gradFill flip="none" rotWithShape="1">
+            <a:gsLst>
+              <a:gs pos="0">
+                <a:schemeClr val="tx2">
+                  <a:alpha val="36000"/>
+                </a:schemeClr>
+              </a:gs>
+              <a:gs pos="14000">
+                <a:schemeClr val="tx2">
+                  <a:lumMod val="14000"/>
+                  <a:lumOff val="86000"/>
+                  <a:alpha val="5000"/>
+                </a:schemeClr>
+              </a:gs>
+              <a:gs pos="100000">
+                <a:srgbClr val="FCFCFC">
+                  <a:alpha val="0"/>
+                  <a:lumMod val="0"/>
+                  <a:lumOff val="100000"/>
+                </a:srgbClr>
+              </a:gs>
+            </a:gsLst>
+            <a:lin ang="0" scaled="1"/>
+            <a:tileRect/>
+          </a:gradFill>
+          <a:ln w="28575">
+            <a:noFill/>
+          </a:ln>
+          <a:effectLst/>
         </p:spPr>
+        <p:style>
+          <a:lnRef idx="1">
+            <a:schemeClr val="accent1"/>
+          </a:lnRef>
+          <a:fillRef idx="3">
+            <a:schemeClr val="accent1"/>
+          </a:fillRef>
+          <a:effectRef idx="2">
+            <a:schemeClr val="accent1"/>
+          </a:effectRef>
+          <a:fontRef idx="minor">
+            <a:schemeClr val="lt1"/>
+          </a:fontRef>
+        </p:style>
         <p:txBody>
-          <a:bodyPr wrap="square" rtlCol="0">
-            <a:spAutoFit/>
-          </a:bodyPr>
+          <a:bodyPr rtlCol="0" anchor="t" anchorCtr="0"/>
           <a:lstStyle/>
           <a:p>
-            <a:pPr marL="0" marR="0" indent="0" algn="r" defTabSz="457189" rtl="0" eaLnBrk="1" fontAlgn="auto" latinLnBrk="0" hangingPunct="1">
-              <a:lnSpc>
-                <a:spcPct val="100000"/>
-              </a:lnSpc>
-              <a:spcBef>
-                <a:spcPts val="0"/>
-              </a:spcBef>
-              <a:spcAft>
-                <a:spcPts val="0"/>
-              </a:spcAft>
-              <a:buClrTx/>
-              <a:buSzTx/>
-              <a:buFontTx/>
-              <a:buNone/>
-              <a:tabLst/>
-              <a:defRPr/>
-            </a:pPr>
-            <a:r>
-              <a:rPr lang="de-DE" sz="900" b="0" dirty="0">
-                <a:latin typeface="Calibri" panose="020F0502020204030204" pitchFamily="34" charset="0"/>
-                <a:cs typeface="Calibri" panose="020F0502020204030204" pitchFamily="34" charset="0"/>
-              </a:rPr>
-              <a:t>Mitgliederversammlung</a:t>
-            </a:r>
-            <a:r>
-              <a:rPr lang="de-DE" sz="900" b="0" baseline="0" dirty="0">
-                <a:latin typeface="Calibri" panose="020F0502020204030204" pitchFamily="34" charset="0"/>
-                <a:cs typeface="Calibri" panose="020F0502020204030204" pitchFamily="34" charset="0"/>
-              </a:rPr>
-              <a:t> der AGIT</a:t>
-            </a:r>
-            <a:r>
-              <a:rPr lang="de-DE" sz="900" b="0" dirty="0">
-                <a:latin typeface="Calibri" panose="020F0502020204030204" pitchFamily="34" charset="0"/>
-                <a:cs typeface="Calibri" panose="020F0502020204030204" pitchFamily="34" charset="0"/>
-              </a:rPr>
-              <a:t>|</a:t>
-            </a:r>
+            <a:pPr algn="ctr" defTabSz="914400"/>
+            <a:endParaRPr lang="en-AU" sz="1200" b="1" kern="0" dirty="0">
+              <a:solidFill>
+                <a:schemeClr val="tx1"/>
+              </a:solidFill>
+              <a:latin typeface="Calibri Light" panose="020F0302020204030204" pitchFamily="34" charset="0"/>
+              <a:cs typeface="Calibri Light" panose="020F0302020204030204" pitchFamily="34" charset="0"/>
+            </a:endParaRPr>
           </a:p>
         </p:txBody>
       </p:sp>
@@ -1987,85 +2306,6 @@
           </a:ln>
         </p:spPr>
       </p:pic>
-      <p:sp>
-        <p:nvSpPr>
-          <p:cNvPr id="8" name="Rechteck 7">
-            <a:extLst>
-              <a:ext uri="{FF2B5EF4-FFF2-40B4-BE49-F238E27FC236}">
-                <a16:creationId xmlns:a16="http://schemas.microsoft.com/office/drawing/2014/main" id="{695424DE-D766-2246-BDB1-4E83C28425C3}"/>
-              </a:ext>
-            </a:extLst>
-          </p:cNvPr>
-          <p:cNvSpPr/>
-          <p:nvPr userDrawn="1"/>
-        </p:nvSpPr>
-        <p:spPr>
-          <a:xfrm>
-            <a:off x="0" y="0"/>
-            <a:ext cx="12192000" cy="6858000"/>
-          </a:xfrm>
-          <a:prstGeom prst="rect">
-            <a:avLst/>
-          </a:prstGeom>
-          <a:gradFill flip="none" rotWithShape="1">
-            <a:gsLst>
-              <a:gs pos="0">
-                <a:schemeClr val="tx2">
-                  <a:alpha val="36000"/>
-                </a:schemeClr>
-              </a:gs>
-              <a:gs pos="14000">
-                <a:schemeClr val="tx2">
-                  <a:lumMod val="14000"/>
-                  <a:lumOff val="86000"/>
-                  <a:alpha val="5000"/>
-                </a:schemeClr>
-              </a:gs>
-              <a:gs pos="100000">
-                <a:srgbClr val="FCFCFC">
-                  <a:alpha val="0"/>
-                  <a:lumMod val="0"/>
-                  <a:lumOff val="100000"/>
-                </a:srgbClr>
-              </a:gs>
-            </a:gsLst>
-            <a:lin ang="0" scaled="1"/>
-            <a:tileRect/>
-          </a:gradFill>
-          <a:ln w="28575">
-            <a:noFill/>
-          </a:ln>
-          <a:effectLst/>
-        </p:spPr>
-        <p:style>
-          <a:lnRef idx="1">
-            <a:schemeClr val="accent1"/>
-          </a:lnRef>
-          <a:fillRef idx="3">
-            <a:schemeClr val="accent1"/>
-          </a:fillRef>
-          <a:effectRef idx="2">
-            <a:schemeClr val="accent1"/>
-          </a:effectRef>
-          <a:fontRef idx="minor">
-            <a:schemeClr val="lt1"/>
-          </a:fontRef>
-        </p:style>
-        <p:txBody>
-          <a:bodyPr rtlCol="0" anchor="t" anchorCtr="0"/>
-          <a:lstStyle/>
-          <a:p>
-            <a:pPr algn="ctr" defTabSz="914400"/>
-            <a:endParaRPr lang="en-AU" sz="1200" b="1" kern="0" dirty="0">
-              <a:solidFill>
-                <a:schemeClr val="tx1"/>
-              </a:solidFill>
-              <a:latin typeface="Calibri Light" panose="020F0302020204030204" pitchFamily="34" charset="0"/>
-              <a:cs typeface="Calibri Light" panose="020F0302020204030204" pitchFamily="34" charset="0"/>
-            </a:endParaRPr>
-          </a:p>
-        </p:txBody>
-      </p:sp>
     </p:spTree>
     <p:extLst>
       <p:ext uri="{BB962C8B-B14F-4D97-AF65-F5344CB8AC3E}">
@@ -2594,6 +2834,10 @@
             <a:br>
               <a:rPr lang="de-DE" sz="4000" dirty="0"/>
             </a:br>
+            <a:r>
+              <a:rPr lang="de-DE" sz="4000" dirty="0"/>
+              <a:t/>
+            </a:r>
             <a:br>
               <a:rPr lang="de-DE" sz="4000" dirty="0"/>
             </a:br>
@@ -2762,6 +3006,10 @@
             <a:br>
               <a:rPr lang="de-DE" sz="4400" dirty="0"/>
             </a:br>
+            <a:r>
+              <a:rPr lang="de-DE" sz="4400" dirty="0"/>
+              <a:t/>
+            </a:r>
             <a:br>
               <a:rPr lang="de-DE" sz="4400" dirty="0"/>
             </a:br>
@@ -2921,6 +3169,7 @@
                     <a:lumMod val="75000"/>
                   </a:schemeClr>
                 </a:solidFill>
+                <a:hlinkClick r:id="rId3"/>
               </a:rPr>
               <a:t>hier</a:t>
             </a:r>
@@ -3116,6 +3365,10 @@
             <a:br>
               <a:rPr lang="de-DE" sz="4000" dirty="0"/>
             </a:br>
+            <a:r>
+              <a:rPr lang="de-DE" sz="4000" dirty="0"/>
+              <a:t/>
+            </a:r>
             <a:br>
               <a:rPr lang="de-DE" sz="4000" dirty="0"/>
             </a:br>
@@ -3865,6 +4118,10 @@
             <a:br>
               <a:rPr lang="de-DE" sz="3200" dirty="0"/>
             </a:br>
+            <a:r>
+              <a:rPr lang="de-DE" sz="3200" dirty="0"/>
+              <a:t/>
+            </a:r>
             <a:br>
               <a:rPr lang="de-DE" sz="3200" dirty="0"/>
             </a:br>
@@ -4254,7 +4511,17 @@
             </a:r>
             <a:r>
               <a:rPr lang="en-AU" sz="2000" dirty="0"/>
-              <a:t> (link)</a:t>
+              <a:t> (</a:t>
+            </a:r>
+            <a:r>
+              <a:rPr lang="en-AU" sz="2000" dirty="0">
+                <a:hlinkClick r:id="rId3"/>
+              </a:rPr>
+              <a:t>link</a:t>
+            </a:r>
+            <a:r>
+              <a:rPr lang="en-AU" sz="2000" dirty="0"/>
+              <a:t>)</a:t>
             </a:r>
           </a:p>
         </p:txBody>
